--- a/Building Web Applications in Django/week2/Assignment.pptx
+++ b/Building Web Applications in Django/week2/Assignment.pptx
@@ -121,6 +121,11 @@
       </a:defRPr>
     </a:lvl9pPr>
   </p:defaultTextStyle>
+  <p:extLst>
+    <p:ext uri="{EFAFB233-063F-42B5-8137-9DF3F51BA10A}">
+      <p15:sldGuideLst xmlns:p15="http://schemas.microsoft.com/office/powerpoint/2012/main"/>
+    </p:ext>
+  </p:extLst>
 </p:presentation>
 </file>
 
@@ -206,7 +211,7 @@
           <a:p>
             <a:fld id="{BD5A9732-42DE-4EEE-8D43-08C08D29DA0F}" type="datetimeFigureOut">
               <a:rPr lang="en-US" smtClean="0"/>
-              <a:t>7/22/2021</a:t>
+              <a:t>7/27/2021</a:t>
             </a:fld>
             <a:endParaRPr lang="en-US"/>
           </a:p>
@@ -1359,7 +1364,7 @@
           <a:p>
             <a:fld id="{E8843006-732B-4CA1-A5CB-17D806AA1DDE}" type="datetimeFigureOut">
               <a:rPr lang="en-US" smtClean="0"/>
-              <a:t>7/22/2021</a:t>
+              <a:t>7/27/2021</a:t>
             </a:fld>
             <a:endParaRPr lang="en-US"/>
           </a:p>
@@ -1557,7 +1562,7 @@
           <a:p>
             <a:fld id="{E8843006-732B-4CA1-A5CB-17D806AA1DDE}" type="datetimeFigureOut">
               <a:rPr lang="en-US" smtClean="0"/>
-              <a:t>7/22/2021</a:t>
+              <a:t>7/27/2021</a:t>
             </a:fld>
             <a:endParaRPr lang="en-US"/>
           </a:p>
@@ -1765,7 +1770,7 @@
           <a:p>
             <a:fld id="{E8843006-732B-4CA1-A5CB-17D806AA1DDE}" type="datetimeFigureOut">
               <a:rPr lang="en-US" smtClean="0"/>
-              <a:t>7/22/2021</a:t>
+              <a:t>7/27/2021</a:t>
             </a:fld>
             <a:endParaRPr lang="en-US"/>
           </a:p>
@@ -1963,7 +1968,7 @@
           <a:p>
             <a:fld id="{E8843006-732B-4CA1-A5CB-17D806AA1DDE}" type="datetimeFigureOut">
               <a:rPr lang="en-US" smtClean="0"/>
-              <a:t>7/22/2021</a:t>
+              <a:t>7/27/2021</a:t>
             </a:fld>
             <a:endParaRPr lang="en-US"/>
           </a:p>
@@ -2238,7 +2243,7 @@
           <a:p>
             <a:fld id="{E8843006-732B-4CA1-A5CB-17D806AA1DDE}" type="datetimeFigureOut">
               <a:rPr lang="en-US" smtClean="0"/>
-              <a:t>7/22/2021</a:t>
+              <a:t>7/27/2021</a:t>
             </a:fld>
             <a:endParaRPr lang="en-US"/>
           </a:p>
@@ -2503,7 +2508,7 @@
           <a:p>
             <a:fld id="{E8843006-732B-4CA1-A5CB-17D806AA1DDE}" type="datetimeFigureOut">
               <a:rPr lang="en-US" smtClean="0"/>
-              <a:t>7/22/2021</a:t>
+              <a:t>7/27/2021</a:t>
             </a:fld>
             <a:endParaRPr lang="en-US"/>
           </a:p>
@@ -2915,7 +2920,7 @@
           <a:p>
             <a:fld id="{E8843006-732B-4CA1-A5CB-17D806AA1DDE}" type="datetimeFigureOut">
               <a:rPr lang="en-US" smtClean="0"/>
-              <a:t>7/22/2021</a:t>
+              <a:t>7/27/2021</a:t>
             </a:fld>
             <a:endParaRPr lang="en-US"/>
           </a:p>
@@ -3056,7 +3061,7 @@
           <a:p>
             <a:fld id="{E8843006-732B-4CA1-A5CB-17D806AA1DDE}" type="datetimeFigureOut">
               <a:rPr lang="en-US" smtClean="0"/>
-              <a:t>7/22/2021</a:t>
+              <a:t>7/27/2021</a:t>
             </a:fld>
             <a:endParaRPr lang="en-US"/>
           </a:p>
@@ -3169,7 +3174,7 @@
           <a:p>
             <a:fld id="{E8843006-732B-4CA1-A5CB-17D806AA1DDE}" type="datetimeFigureOut">
               <a:rPr lang="en-US" smtClean="0"/>
-              <a:t>7/22/2021</a:t>
+              <a:t>7/27/2021</a:t>
             </a:fld>
             <a:endParaRPr lang="en-US"/>
           </a:p>
@@ -3480,7 +3485,7 @@
           <a:p>
             <a:fld id="{E8843006-732B-4CA1-A5CB-17D806AA1DDE}" type="datetimeFigureOut">
               <a:rPr lang="en-US" smtClean="0"/>
-              <a:t>7/22/2021</a:t>
+              <a:t>7/27/2021</a:t>
             </a:fld>
             <a:endParaRPr lang="en-US"/>
           </a:p>
@@ -3768,7 +3773,7 @@
           <a:p>
             <a:fld id="{E8843006-732B-4CA1-A5CB-17D806AA1DDE}" type="datetimeFigureOut">
               <a:rPr lang="en-US" smtClean="0"/>
-              <a:t>7/22/2021</a:t>
+              <a:t>7/27/2021</a:t>
             </a:fld>
             <a:endParaRPr lang="en-US"/>
           </a:p>
@@ -4009,7 +4014,7 @@
           <a:p>
             <a:fld id="{E8843006-732B-4CA1-A5CB-17D806AA1DDE}" type="datetimeFigureOut">
               <a:rPr lang="en-US" smtClean="0"/>
-              <a:t>7/22/2021</a:t>
+              <a:t>7/27/2021</a:t>
             </a:fld>
             <a:endParaRPr lang="en-US"/>
           </a:p>
